--- a/Data Viz Using Tableau/Data Viz On Air India's Customer Data.pptx
+++ b/Data Viz Using Tableau/Data Viz On Air India's Customer Data.pptx
@@ -1,18 +1,18 @@
 
 <file path=ppt/presentation.xml><?xml version="1.0" encoding="utf-8"?>
-<p:presentation xmlns:a="http://schemas.openxmlformats.org/drawingml/2006/main" xmlns:p="http://schemas.openxmlformats.org/presentationml/2006/main" xmlns:r="http://schemas.openxmlformats.org/officeDocument/2006/relationships" saveSubsetFonts="1">
+<p:presentation xmlns:a="http://schemas.openxmlformats.org/drawingml/2006/main" xmlns:r="http://schemas.openxmlformats.org/officeDocument/2006/relationships" xmlns:p="http://schemas.openxmlformats.org/presentationml/2006/main" saveSubsetFonts="1">
   <p:sldMasterIdLst>
     <p:sldMasterId id="2147483648" r:id="rId1"/>
   </p:sldMasterIdLst>
   <p:sldIdLst>
-    <p:sldId id="256" r:id="rId6"/>
-    <p:sldId id="257" r:id="rId7"/>
-    <p:sldId id="258" r:id="rId8"/>
-    <p:sldId id="259" r:id="rId9"/>
-    <p:sldId id="260" r:id="rId10"/>
-    <p:sldId id="261" r:id="rId11"/>
-    <p:sldId id="262" r:id="rId12"/>
-    <p:sldId id="263" r:id="rId13"/>
+    <p:sldId id="256" r:id="rId2"/>
+    <p:sldId id="257" r:id="rId3"/>
+    <p:sldId id="258" r:id="rId4"/>
+    <p:sldId id="259" r:id="rId5"/>
+    <p:sldId id="260" r:id="rId6"/>
+    <p:sldId id="261" r:id="rId7"/>
+    <p:sldId id="262" r:id="rId8"/>
+    <p:sldId id="263" r:id="rId9"/>
   </p:sldIdLst>
   <p:sldSz cx="12192000" cy="6858000"/>
   <p:notesSz cx="6858000" cy="9144000"/>
@@ -20,8 +20,8 @@
     <a:defPPr>
       <a:defRPr lang="en-US"/>
     </a:defPPr>
-    <a:lvl1pPr algn="l" defTabSz="914400" eaLnBrk="1" hangingPunct="1" latinLnBrk="0" marL="0" rtl="0">
-      <a:defRPr kern="1200" sz="1800">
+    <a:lvl1pPr marL="0" algn="l" defTabSz="914400" rtl="0" eaLnBrk="1" latinLnBrk="0" hangingPunct="1">
+      <a:defRPr sz="1800" kern="1200">
         <a:solidFill>
           <a:schemeClr val="tx1"/>
         </a:solidFill>
@@ -30,8 +30,8 @@
         <a:cs typeface="+mn-cs"/>
       </a:defRPr>
     </a:lvl1pPr>
-    <a:lvl2pPr algn="l" defTabSz="914400" eaLnBrk="1" hangingPunct="1" latinLnBrk="0" marL="457200" rtl="0">
-      <a:defRPr kern="1200" sz="1800">
+    <a:lvl2pPr marL="457200" algn="l" defTabSz="914400" rtl="0" eaLnBrk="1" latinLnBrk="0" hangingPunct="1">
+      <a:defRPr sz="1800" kern="1200">
         <a:solidFill>
           <a:schemeClr val="tx1"/>
         </a:solidFill>
@@ -40,8 +40,8 @@
         <a:cs typeface="+mn-cs"/>
       </a:defRPr>
     </a:lvl2pPr>
-    <a:lvl3pPr algn="l" defTabSz="914400" eaLnBrk="1" hangingPunct="1" latinLnBrk="0" marL="914400" rtl="0">
-      <a:defRPr kern="1200" sz="1800">
+    <a:lvl3pPr marL="914400" algn="l" defTabSz="914400" rtl="0" eaLnBrk="1" latinLnBrk="0" hangingPunct="1">
+      <a:defRPr sz="1800" kern="1200">
         <a:solidFill>
           <a:schemeClr val="tx1"/>
         </a:solidFill>
@@ -50,8 +50,8 @@
         <a:cs typeface="+mn-cs"/>
       </a:defRPr>
     </a:lvl3pPr>
-    <a:lvl4pPr algn="l" defTabSz="914400" eaLnBrk="1" hangingPunct="1" latinLnBrk="0" marL="1371600" rtl="0">
-      <a:defRPr kern="1200" sz="1800">
+    <a:lvl4pPr marL="1371600" algn="l" defTabSz="914400" rtl="0" eaLnBrk="1" latinLnBrk="0" hangingPunct="1">
+      <a:defRPr sz="1800" kern="1200">
         <a:solidFill>
           <a:schemeClr val="tx1"/>
         </a:solidFill>
@@ -60,8 +60,8 @@
         <a:cs typeface="+mn-cs"/>
       </a:defRPr>
     </a:lvl4pPr>
-    <a:lvl5pPr algn="l" defTabSz="914400" eaLnBrk="1" hangingPunct="1" latinLnBrk="0" marL="1828800" rtl="0">
-      <a:defRPr kern="1200" sz="1800">
+    <a:lvl5pPr marL="1828800" algn="l" defTabSz="914400" rtl="0" eaLnBrk="1" latinLnBrk="0" hangingPunct="1">
+      <a:defRPr sz="1800" kern="1200">
         <a:solidFill>
           <a:schemeClr val="tx1"/>
         </a:solidFill>
@@ -70,8 +70,8 @@
         <a:cs typeface="+mn-cs"/>
       </a:defRPr>
     </a:lvl5pPr>
-    <a:lvl6pPr algn="l" defTabSz="914400" eaLnBrk="1" hangingPunct="1" latinLnBrk="0" marL="2286000" rtl="0">
-      <a:defRPr kern="1200" sz="1800">
+    <a:lvl6pPr marL="2286000" algn="l" defTabSz="914400" rtl="0" eaLnBrk="1" latinLnBrk="0" hangingPunct="1">
+      <a:defRPr sz="1800" kern="1200">
         <a:solidFill>
           <a:schemeClr val="tx1"/>
         </a:solidFill>
@@ -80,8 +80,8 @@
         <a:cs typeface="+mn-cs"/>
       </a:defRPr>
     </a:lvl6pPr>
-    <a:lvl7pPr algn="l" defTabSz="914400" eaLnBrk="1" hangingPunct="1" latinLnBrk="0" marL="2743200" rtl="0">
-      <a:defRPr kern="1200" sz="1800">
+    <a:lvl7pPr marL="2743200" algn="l" defTabSz="914400" rtl="0" eaLnBrk="1" latinLnBrk="0" hangingPunct="1">
+      <a:defRPr sz="1800" kern="1200">
         <a:solidFill>
           <a:schemeClr val="tx1"/>
         </a:solidFill>
@@ -90,8 +90,8 @@
         <a:cs typeface="+mn-cs"/>
       </a:defRPr>
     </a:lvl7pPr>
-    <a:lvl8pPr algn="l" defTabSz="914400" eaLnBrk="1" hangingPunct="1" latinLnBrk="0" marL="3200400" rtl="0">
-      <a:defRPr kern="1200" sz="1800">
+    <a:lvl8pPr marL="3200400" algn="l" defTabSz="914400" rtl="0" eaLnBrk="1" latinLnBrk="0" hangingPunct="1">
+      <a:defRPr sz="1800" kern="1200">
         <a:solidFill>
           <a:schemeClr val="tx1"/>
         </a:solidFill>
@@ -100,8 +100,8 @@
         <a:cs typeface="+mn-cs"/>
       </a:defRPr>
     </a:lvl8pPr>
-    <a:lvl9pPr algn="l" defTabSz="914400" eaLnBrk="1" hangingPunct="1" latinLnBrk="0" marL="3657600" rtl="0">
-      <a:defRPr kern="1200" sz="1800">
+    <a:lvl9pPr marL="3657600" algn="l" defTabSz="914400" rtl="0" eaLnBrk="1" latinLnBrk="0" hangingPunct="1">
+      <a:defRPr sz="1800" kern="1200">
         <a:solidFill>
           <a:schemeClr val="tx1"/>
         </a:solidFill>
@@ -111,6 +111,11 @@
       </a:defRPr>
     </a:lvl9pPr>
   </p:defaultTextStyle>
+  <p:extLst>
+    <p:ext uri="{EFAFB233-063F-42B5-8137-9DF3F51BA10A}">
+      <p15:sldGuideLst xmlns:p15="http://schemas.microsoft.com/office/powerpoint/2012/main"/>
+    </p:ext>
+  </p:extLst>
 </p:presentation>
 </file>
 
@@ -261,7 +266,7 @@
           <a:p>
             <a:fld id="{EED1C14C-A143-42F5-B247-D0E800131009}" type="datetimeFigureOut">
               <a:rPr lang="en-US" smtClean="0"/>
-              <a:t>8/15/2018</a:t>
+              <a:t>12/20/2023</a:t>
             </a:fld>
             <a:endParaRPr lang="en-US"/>
           </a:p>
@@ -459,7 +464,7 @@
           <a:p>
             <a:fld id="{EED1C14C-A143-42F5-B247-D0E800131009}" type="datetimeFigureOut">
               <a:rPr lang="en-US" smtClean="0"/>
-              <a:t>8/15/2018</a:t>
+              <a:t>12/20/2023</a:t>
             </a:fld>
             <a:endParaRPr lang="en-US"/>
           </a:p>
@@ -667,7 +672,7 @@
           <a:p>
             <a:fld id="{EED1C14C-A143-42F5-B247-D0E800131009}" type="datetimeFigureOut">
               <a:rPr lang="en-US" smtClean="0"/>
-              <a:t>8/15/2018</a:t>
+              <a:t>12/20/2023</a:t>
             </a:fld>
             <a:endParaRPr lang="en-US"/>
           </a:p>
@@ -865,7 +870,7 @@
           <a:p>
             <a:fld id="{EED1C14C-A143-42F5-B247-D0E800131009}" type="datetimeFigureOut">
               <a:rPr lang="en-US" smtClean="0"/>
-              <a:t>8/15/2018</a:t>
+              <a:t>12/20/2023</a:t>
             </a:fld>
             <a:endParaRPr lang="en-US"/>
           </a:p>
@@ -1140,7 +1145,7 @@
           <a:p>
             <a:fld id="{EED1C14C-A143-42F5-B247-D0E800131009}" type="datetimeFigureOut">
               <a:rPr lang="en-US" smtClean="0"/>
-              <a:t>8/15/2018</a:t>
+              <a:t>12/20/2023</a:t>
             </a:fld>
             <a:endParaRPr lang="en-US"/>
           </a:p>
@@ -1405,7 +1410,7 @@
           <a:p>
             <a:fld id="{EED1C14C-A143-42F5-B247-D0E800131009}" type="datetimeFigureOut">
               <a:rPr lang="en-US" smtClean="0"/>
-              <a:t>8/15/2018</a:t>
+              <a:t>12/20/2023</a:t>
             </a:fld>
             <a:endParaRPr lang="en-US"/>
           </a:p>
@@ -1817,7 +1822,7 @@
           <a:p>
             <a:fld id="{EED1C14C-A143-42F5-B247-D0E800131009}" type="datetimeFigureOut">
               <a:rPr lang="en-US" smtClean="0"/>
-              <a:t>8/15/2018</a:t>
+              <a:t>12/20/2023</a:t>
             </a:fld>
             <a:endParaRPr lang="en-US"/>
           </a:p>
@@ -1958,7 +1963,7 @@
           <a:p>
             <a:fld id="{EED1C14C-A143-42F5-B247-D0E800131009}" type="datetimeFigureOut">
               <a:rPr lang="en-US" smtClean="0"/>
-              <a:t>8/15/2018</a:t>
+              <a:t>12/20/2023</a:t>
             </a:fld>
             <a:endParaRPr lang="en-US"/>
           </a:p>
@@ -2071,7 +2076,7 @@
           <a:p>
             <a:fld id="{EED1C14C-A143-42F5-B247-D0E800131009}" type="datetimeFigureOut">
               <a:rPr lang="en-US" smtClean="0"/>
-              <a:t>8/15/2018</a:t>
+              <a:t>12/20/2023</a:t>
             </a:fld>
             <a:endParaRPr lang="en-US"/>
           </a:p>
@@ -2382,7 +2387,7 @@
           <a:p>
             <a:fld id="{EED1C14C-A143-42F5-B247-D0E800131009}" type="datetimeFigureOut">
               <a:rPr lang="en-US" smtClean="0"/>
-              <a:t>8/15/2018</a:t>
+              <a:t>12/20/2023</a:t>
             </a:fld>
             <a:endParaRPr lang="en-US"/>
           </a:p>
@@ -2670,7 +2675,7 @@
           <a:p>
             <a:fld id="{EED1C14C-A143-42F5-B247-D0E800131009}" type="datetimeFigureOut">
               <a:rPr lang="en-US" smtClean="0"/>
-              <a:t>8/15/2018</a:t>
+              <a:t>12/20/2023</a:t>
             </a:fld>
             <a:endParaRPr lang="en-US"/>
           </a:p>
@@ -2911,7 +2916,7 @@
           <a:p>
             <a:fld id="{EED1C14C-A143-42F5-B247-D0E800131009}" type="datetimeFigureOut">
               <a:rPr lang="en-US" smtClean="0"/>
-              <a:t>8/15/2018</a:t>
+              <a:t>12/20/2023</a:t>
             </a:fld>
             <a:endParaRPr lang="en-US"/>
           </a:p>
@@ -3312,7 +3317,7 @@
 </file>
 
 <file path=ppt/slides/slide1.xml><?xml version="1.0" encoding="utf-8"?>
-<p:sld xmlns:a="http://schemas.openxmlformats.org/drawingml/2006/main" xmlns:p="http://schemas.openxmlformats.org/presentationml/2006/main" xmlns:r="http://schemas.openxmlformats.org/officeDocument/2006/relationships">
+<p:sld xmlns:a="http://schemas.openxmlformats.org/drawingml/2006/main" xmlns:r="http://schemas.openxmlformats.org/officeDocument/2006/relationships" xmlns:p="http://schemas.openxmlformats.org/presentationml/2006/main">
   <p:cSld>
     <p:spTree>
       <p:nvGrpSpPr>
@@ -3330,7 +3335,7 @@
       </p:grpSpPr>
       <p:sp>
         <p:nvSpPr>
-          <p:cNvPr id="0" name="slide1">
+          <p:cNvPr id="2" name="slide1">
             <a:extLst>
               <a:ext uri="{FF2B5EF4-FFF2-40B4-BE49-F238E27FC236}">
                 <a16:creationId xmlns:a16="http://schemas.microsoft.com/office/drawing/2014/main" id="{92945A63-652A-47B9-A3BA-2BA1E5666E37}"/>
@@ -3341,7 +3346,7 @@
             <a:spLocks noGrp="1"/>
           </p:cNvSpPr>
           <p:nvPr>
-            <p:ph idx="0" type="ctrTitle"/>
+            <p:ph type="ctrTitle"/>
           </p:nvPr>
         </p:nvSpPr>
         <p:spPr/>
@@ -3350,38 +3355,10 @@
           <a:lstStyle/>
           <a:p>
             <a:r>
-              <a:rPr dirty="0" lang="en-us">
-                <a:hlinkClick r:id="rId6"/>
+              <a:rPr lang="en-us" dirty="0">
+                <a:hlinkClick r:id="rId2"/>
               </a:rPr>
               <a:t>Data Viz On Air India's Customer Data</a:t>
-            </a:r>
-          </a:p>
-        </p:txBody>
-      </p:sp>
-      <p:sp>
-        <p:nvSpPr>
-          <p:cNvPr id="1" name="slide1">
-            <a:extLst>
-              <a:ext uri="{FF2B5EF4-FFF2-40B4-BE49-F238E27FC236}">
-                <a16:creationId xmlns:a16="http://schemas.microsoft.com/office/drawing/2014/main" id="{56AB5384-03AB-49A5-98AF-353C3C882893}"/>
-              </a:ext>
-            </a:extLst>
-          </p:cNvPr>
-          <p:cNvSpPr>
-            <a:spLocks noGrp="1"/>
-          </p:cNvSpPr>
-          <p:nvPr>
-            <p:ph idx="1" type="subTitle"/>
-          </p:nvPr>
-        </p:nvSpPr>
-        <p:spPr/>
-        <p:txBody>
-          <a:bodyPr/>
-          <a:lstStyle/>
-          <a:p>
-            <a:r>
-              <a:rPr/>
-              <a:t>File created on: 8/1/2023 6:11:38 PM</a:t>
             </a:r>
           </a:p>
         </p:txBody>
@@ -3400,7 +3377,7 @@
 </file>
 
 <file path=ppt/slides/slide2.xml><?xml version="1.0" encoding="utf-8"?>
-<p:sld xmlns:a="http://schemas.openxmlformats.org/drawingml/2006/main" xmlns:p="http://schemas.openxmlformats.org/presentationml/2006/main" xmlns:r="http://schemas.openxmlformats.org/officeDocument/2006/relationships">
+<p:sld xmlns:a="http://schemas.openxmlformats.org/drawingml/2006/main" xmlns:r="http://schemas.openxmlformats.org/officeDocument/2006/relationships" xmlns:p="http://schemas.openxmlformats.org/presentationml/2006/main">
   <p:cSld>
     <p:spTree>
       <p:nvGrpSpPr>
@@ -3418,7 +3395,7 @@
       </p:grpSpPr>
       <p:pic>
         <p:nvPicPr>
-          <p:cNvPr descr="Number of Reviews and Average Ratings by Country" id="2" name="slide2">
+          <p:cNvPr id="2" name="slide2" descr="Number of Reviews and Average Ratings by Country">
             <a:extLst>
               <a:ext uri="{FF2B5EF4-FFF2-40B4-BE49-F238E27FC236}">
                 <a16:creationId xmlns:a16="http://schemas.microsoft.com/office/drawing/2014/main" id="{3CBE563C-C591-4F9A-9E2D-754C8B865FFE}"/>
@@ -3431,7 +3408,7 @@
           <p:nvPr/>
         </p:nvPicPr>
         <p:blipFill>
-          <a:blip r:embed="rId7">
+          <a:blip r:embed="rId2">
             <a:extLst>
               <a:ext uri="{28A0092B-C50C-407E-A947-70E740481C1C}">
                 <a14:useLocalDpi xmlns:a14="http://schemas.microsoft.com/office/drawing/2010/main" val="0"/>
@@ -3466,7 +3443,7 @@
 </file>
 
 <file path=ppt/slides/slide3.xml><?xml version="1.0" encoding="utf-8"?>
-<p:sld xmlns:a="http://schemas.openxmlformats.org/drawingml/2006/main" xmlns:p="http://schemas.openxmlformats.org/presentationml/2006/main" xmlns:r="http://schemas.openxmlformats.org/officeDocument/2006/relationships">
+<p:sld xmlns:a="http://schemas.openxmlformats.org/drawingml/2006/main" xmlns:r="http://schemas.openxmlformats.org/officeDocument/2006/relationships" xmlns:p="http://schemas.openxmlformats.org/presentationml/2006/main">
   <p:cSld>
     <p:spTree>
       <p:nvGrpSpPr>
@@ -3484,7 +3461,7 @@
       </p:grpSpPr>
       <p:pic>
         <p:nvPicPr>
-          <p:cNvPr descr="Average Rating For All" id="3" name="slide3">
+          <p:cNvPr id="3" name="slide3" descr="Average Rating For All">
             <a:extLst>
               <a:ext uri="{FF2B5EF4-FFF2-40B4-BE49-F238E27FC236}">
                 <a16:creationId xmlns:a16="http://schemas.microsoft.com/office/drawing/2014/main" id="{7CB863E9-2E2B-4B8D-87CD-D40593E96EAB}"/>
@@ -3497,7 +3474,7 @@
           <p:nvPr/>
         </p:nvPicPr>
         <p:blipFill>
-          <a:blip r:embed="rId8">
+          <a:blip r:embed="rId2">
             <a:extLst>
               <a:ext uri="{28A0092B-C50C-407E-A947-70E740481C1C}">
                 <a14:useLocalDpi xmlns:a14="http://schemas.microsoft.com/office/drawing/2010/main" val="0"/>
@@ -3532,7 +3509,7 @@
 </file>
 
 <file path=ppt/slides/slide4.xml><?xml version="1.0" encoding="utf-8"?>
-<p:sld xmlns:a="http://schemas.openxmlformats.org/drawingml/2006/main" xmlns:p="http://schemas.openxmlformats.org/presentationml/2006/main" xmlns:r="http://schemas.openxmlformats.org/officeDocument/2006/relationships">
+<p:sld xmlns:a="http://schemas.openxmlformats.org/drawingml/2006/main" xmlns:r="http://schemas.openxmlformats.org/officeDocument/2006/relationships" xmlns:p="http://schemas.openxmlformats.org/presentationml/2006/main">
   <p:cSld>
     <p:spTree>
       <p:nvGrpSpPr>
@@ -3550,7 +3527,7 @@
       </p:grpSpPr>
       <p:pic>
         <p:nvPicPr>
-          <p:cNvPr descr="Count of Ratings By Country" id="4" name="slide4">
+          <p:cNvPr id="4" name="slide4" descr="Count of Ratings By Country">
             <a:extLst>
               <a:ext uri="{FF2B5EF4-FFF2-40B4-BE49-F238E27FC236}">
                 <a16:creationId xmlns:a16="http://schemas.microsoft.com/office/drawing/2014/main" id="{03105F77-E0A3-42C4-AAC0-5805146D8D2B}"/>
@@ -3563,7 +3540,7 @@
           <p:nvPr/>
         </p:nvPicPr>
         <p:blipFill>
-          <a:blip r:embed="rId9">
+          <a:blip r:embed="rId2">
             <a:extLst>
               <a:ext uri="{28A0092B-C50C-407E-A947-70E740481C1C}">
                 <a14:useLocalDpi xmlns:a14="http://schemas.microsoft.com/office/drawing/2010/main" val="0"/>
@@ -3598,7 +3575,7 @@
 </file>
 
 <file path=ppt/slides/slide5.xml><?xml version="1.0" encoding="utf-8"?>
-<p:sld xmlns:a="http://schemas.openxmlformats.org/drawingml/2006/main" xmlns:p="http://schemas.openxmlformats.org/presentationml/2006/main" xmlns:r="http://schemas.openxmlformats.org/officeDocument/2006/relationships">
+<p:sld xmlns:a="http://schemas.openxmlformats.org/drawingml/2006/main" xmlns:r="http://schemas.openxmlformats.org/officeDocument/2006/relationships" xmlns:p="http://schemas.openxmlformats.org/presentationml/2006/main">
   <p:cSld>
     <p:spTree>
       <p:nvGrpSpPr>
@@ -3616,7 +3593,7 @@
       </p:grpSpPr>
       <p:pic>
         <p:nvPicPr>
-          <p:cNvPr descr="Seat Comfort vs. Value for Money" id="5" name="slide5">
+          <p:cNvPr id="5" name="slide5" descr="Seat Comfort vs. Value for Money">
             <a:extLst>
               <a:ext uri="{FF2B5EF4-FFF2-40B4-BE49-F238E27FC236}">
                 <a16:creationId xmlns:a16="http://schemas.microsoft.com/office/drawing/2014/main" id="{B751AA50-C3B0-4333-8C70-72B779465D07}"/>
@@ -3629,7 +3606,7 @@
           <p:nvPr/>
         </p:nvPicPr>
         <p:blipFill>
-          <a:blip r:embed="rId10">
+          <a:blip r:embed="rId2">
             <a:extLst>
               <a:ext uri="{28A0092B-C50C-407E-A947-70E740481C1C}">
                 <a14:useLocalDpi xmlns:a14="http://schemas.microsoft.com/office/drawing/2010/main" val="0"/>
@@ -3664,7 +3641,7 @@
 </file>
 
 <file path=ppt/slides/slide6.xml><?xml version="1.0" encoding="utf-8"?>
-<p:sld xmlns:a="http://schemas.openxmlformats.org/drawingml/2006/main" xmlns:p="http://schemas.openxmlformats.org/presentationml/2006/main" xmlns:r="http://schemas.openxmlformats.org/officeDocument/2006/relationships">
+<p:sld xmlns:a="http://schemas.openxmlformats.org/drawingml/2006/main" xmlns:r="http://schemas.openxmlformats.org/officeDocument/2006/relationships" xmlns:p="http://schemas.openxmlformats.org/presentationml/2006/main">
   <p:cSld>
     <p:spTree>
       <p:nvGrpSpPr>
@@ -3682,7 +3659,7 @@
       </p:grpSpPr>
       <p:pic>
         <p:nvPicPr>
-          <p:cNvPr descr="Rating Heat Map: Aspects Across Routes and Seat Types." id="6" name="slide6">
+          <p:cNvPr id="6" name="slide6" descr="Rating Heat Map: Aspects Across Routes and Seat Types.">
             <a:extLst>
               <a:ext uri="{FF2B5EF4-FFF2-40B4-BE49-F238E27FC236}">
                 <a16:creationId xmlns:a16="http://schemas.microsoft.com/office/drawing/2014/main" id="{39CF5092-433E-4683-9ADD-A0B209C97898}"/>
@@ -3695,7 +3672,7 @@
           <p:nvPr/>
         </p:nvPicPr>
         <p:blipFill>
-          <a:blip r:embed="rId11">
+          <a:blip r:embed="rId2">
             <a:extLst>
               <a:ext uri="{28A0092B-C50C-407E-A947-70E740481C1C}">
                 <a14:useLocalDpi xmlns:a14="http://schemas.microsoft.com/office/drawing/2010/main" val="0"/>
@@ -3730,7 +3707,7 @@
 </file>
 
 <file path=ppt/slides/slide7.xml><?xml version="1.0" encoding="utf-8"?>
-<p:sld xmlns:a="http://schemas.openxmlformats.org/drawingml/2006/main" xmlns:p="http://schemas.openxmlformats.org/presentationml/2006/main" xmlns:r="http://schemas.openxmlformats.org/officeDocument/2006/relationships">
+<p:sld xmlns:a="http://schemas.openxmlformats.org/drawingml/2006/main" xmlns:r="http://schemas.openxmlformats.org/officeDocument/2006/relationships" xmlns:p="http://schemas.openxmlformats.org/presentationml/2006/main">
   <p:cSld>
     <p:spTree>
       <p:nvGrpSpPr>
@@ -3748,7 +3725,7 @@
       </p:grpSpPr>
       <p:pic>
         <p:nvPicPr>
-          <p:cNvPr descr="Histogram: Distribution of Ratings for [Aspect]." id="7" name="slide7">
+          <p:cNvPr id="7" name="slide7" descr="Histogram: Distribution of Ratings for [Aspect].">
             <a:extLst>
               <a:ext uri="{FF2B5EF4-FFF2-40B4-BE49-F238E27FC236}">
                 <a16:creationId xmlns:a16="http://schemas.microsoft.com/office/drawing/2014/main" id="{B3721A86-0D70-4CCD-B684-48C12AE06A63}"/>
@@ -3761,7 +3738,7 @@
           <p:nvPr/>
         </p:nvPicPr>
         <p:blipFill>
-          <a:blip r:embed="rId12">
+          <a:blip r:embed="rId2">
             <a:extLst>
               <a:ext uri="{28A0092B-C50C-407E-A947-70E740481C1C}">
                 <a14:useLocalDpi xmlns:a14="http://schemas.microsoft.com/office/drawing/2010/main" val="0"/>
@@ -3796,7 +3773,7 @@
 </file>
 
 <file path=ppt/slides/slide8.xml><?xml version="1.0" encoding="utf-8"?>
-<p:sld xmlns:a="http://schemas.openxmlformats.org/drawingml/2006/main" xmlns:p="http://schemas.openxmlformats.org/presentationml/2006/main" xmlns:r="http://schemas.openxmlformats.org/officeDocument/2006/relationships">
+<p:sld xmlns:a="http://schemas.openxmlformats.org/drawingml/2006/main" xmlns:r="http://schemas.openxmlformats.org/officeDocument/2006/relationships" xmlns:p="http://schemas.openxmlformats.org/presentationml/2006/main">
   <p:cSld>
     <p:spTree>
       <p:nvGrpSpPr>
@@ -3814,7 +3791,7 @@
       </p:grpSpPr>
       <p:pic>
         <p:nvPicPr>
-          <p:cNvPr descr="Number of Reviews Over Time (Date)." id="8" name="slide8">
+          <p:cNvPr id="8" name="slide8" descr="Number of Reviews Over Time (Date).">
             <a:extLst>
               <a:ext uri="{FF2B5EF4-FFF2-40B4-BE49-F238E27FC236}">
                 <a16:creationId xmlns:a16="http://schemas.microsoft.com/office/drawing/2014/main" id="{341FE261-FAE1-4A3F-B5EB-BDD72D813502}"/>
@@ -3827,7 +3804,7 @@
           <p:nvPr/>
         </p:nvPicPr>
         <p:blipFill>
-          <a:blip r:embed="rId13">
+          <a:blip r:embed="rId2">
             <a:extLst>
               <a:ext uri="{28A0092B-C50C-407E-A947-70E740481C1C}">
                 <a14:useLocalDpi xmlns:a14="http://schemas.microsoft.com/office/drawing/2010/main" val="0"/>
@@ -3848,36 +3825,6 @@
           </a:prstGeom>
         </p:spPr>
       </p:pic>
-    </p:spTree>
-    <p:extLst>
-      <p:ext uri="{BB962C8B-B14F-4D97-AF65-F5344CB8AC3E}">
-        <p14:creationId xmlns:p14="http://schemas.microsoft.com/office/powerpoint/2010/main" val="95992585"/>
-      </p:ext>
-    </p:extLst>
-  </p:cSld>
-  <p:clrMapOvr>
-    <a:masterClrMapping/>
-  </p:clrMapOvr>
-</p:sld>
-</file>
-
-<file path=ppt/slides/slideTemplate.xml><?xml version="1.0" encoding="utf-8"?>
-<p:sld xmlns:a="http://schemas.openxmlformats.org/drawingml/2006/main" xmlns:r="http://schemas.openxmlformats.org/officeDocument/2006/relationships" xmlns:p="http://schemas.openxmlformats.org/presentationml/2006/main">
-  <p:cSld>
-    <p:spTree>
-      <p:nvGrpSpPr>
-        <p:cNvPr id="1" name=""/>
-        <p:cNvGrpSpPr/>
-        <p:nvPr/>
-      </p:nvGrpSpPr>
-      <p:grpSpPr>
-        <a:xfrm>
-          <a:off x="0" y="0"/>
-          <a:ext cx="0" cy="0"/>
-          <a:chOff x="0" y="0"/>
-          <a:chExt cx="0" cy="0"/>
-        </a:xfrm>
-      </p:grpSpPr>
     </p:spTree>
     <p:extLst>
       <p:ext uri="{BB962C8B-B14F-4D97-AF65-F5344CB8AC3E}">
